--- a/random/turkimenistanstudy.pptx
+++ b/random/turkimenistanstudy.pptx
@@ -16,7 +16,8 @@
     <p:sldId id="264" r:id="rId10"/>
     <p:sldId id="265" r:id="rId11"/>
     <p:sldId id="266" r:id="rId12"/>
-    <p:sldId id="267" r:id="rId13"/>
+    <p:sldId id="270" r:id="rId13"/>
+    <p:sldId id="267" r:id="rId14"/>
   </p:sldIdLst>
   <p:sldSz cx="9144000" cy="6858000" type="screen4x3"/>
   <p:notesSz cx="6858000" cy="9144000"/>
@@ -309,7 +310,7 @@
             <a:fld id="{530820CF-B880-4189-942D-D702A7CBA730}" type="datetimeFigureOut">
               <a:rPr lang="zh-CN" altLang="en-US" smtClean="0"/>
               <a:pPr/>
-              <a:t>2022/6/3</a:t>
+              <a:t>2022/6/16</a:t>
             </a:fld>
             <a:endParaRPr lang="zh-CN" altLang="en-US"/>
           </a:p>
@@ -476,7 +477,7 @@
             <a:fld id="{530820CF-B880-4189-942D-D702A7CBA730}" type="datetimeFigureOut">
               <a:rPr lang="zh-CN" altLang="en-US" smtClean="0"/>
               <a:pPr/>
-              <a:t>2022/6/3</a:t>
+              <a:t>2022/6/16</a:t>
             </a:fld>
             <a:endParaRPr lang="zh-CN" altLang="en-US"/>
           </a:p>
@@ -653,7 +654,7 @@
             <a:fld id="{530820CF-B880-4189-942D-D702A7CBA730}" type="datetimeFigureOut">
               <a:rPr lang="zh-CN" altLang="en-US" smtClean="0"/>
               <a:pPr/>
-              <a:t>2022/6/3</a:t>
+              <a:t>2022/6/16</a:t>
             </a:fld>
             <a:endParaRPr lang="zh-CN" altLang="en-US"/>
           </a:p>
@@ -820,7 +821,7 @@
             <a:fld id="{530820CF-B880-4189-942D-D702A7CBA730}" type="datetimeFigureOut">
               <a:rPr lang="zh-CN" altLang="en-US" smtClean="0"/>
               <a:pPr/>
-              <a:t>2022/6/3</a:t>
+              <a:t>2022/6/16</a:t>
             </a:fld>
             <a:endParaRPr lang="zh-CN" altLang="en-US"/>
           </a:p>
@@ -1097,7 +1098,7 @@
             <a:fld id="{530820CF-B880-4189-942D-D702A7CBA730}" type="datetimeFigureOut">
               <a:rPr lang="zh-CN" altLang="en-US" smtClean="0"/>
               <a:pPr/>
-              <a:t>2022/6/3</a:t>
+              <a:t>2022/6/16</a:t>
             </a:fld>
             <a:endParaRPr lang="zh-CN" altLang="en-US"/>
           </a:p>
@@ -1382,7 +1383,7 @@
             <a:fld id="{530820CF-B880-4189-942D-D702A7CBA730}" type="datetimeFigureOut">
               <a:rPr lang="zh-CN" altLang="en-US" smtClean="0"/>
               <a:pPr/>
-              <a:t>2022/6/3</a:t>
+              <a:t>2022/6/16</a:t>
             </a:fld>
             <a:endParaRPr lang="zh-CN" altLang="en-US"/>
           </a:p>
@@ -1801,7 +1802,7 @@
             <a:fld id="{530820CF-B880-4189-942D-D702A7CBA730}" type="datetimeFigureOut">
               <a:rPr lang="zh-CN" altLang="en-US" smtClean="0"/>
               <a:pPr/>
-              <a:t>2022/6/3</a:t>
+              <a:t>2022/6/16</a:t>
             </a:fld>
             <a:endParaRPr lang="zh-CN" altLang="en-US"/>
           </a:p>
@@ -1916,7 +1917,7 @@
             <a:fld id="{530820CF-B880-4189-942D-D702A7CBA730}" type="datetimeFigureOut">
               <a:rPr lang="zh-CN" altLang="en-US" smtClean="0"/>
               <a:pPr/>
-              <a:t>2022/6/3</a:t>
+              <a:t>2022/6/16</a:t>
             </a:fld>
             <a:endParaRPr lang="zh-CN" altLang="en-US"/>
           </a:p>
@@ -2008,7 +2009,7 @@
             <a:fld id="{530820CF-B880-4189-942D-D702A7CBA730}" type="datetimeFigureOut">
               <a:rPr lang="zh-CN" altLang="en-US" smtClean="0"/>
               <a:pPr/>
-              <a:t>2022/6/3</a:t>
+              <a:t>2022/6/16</a:t>
             </a:fld>
             <a:endParaRPr lang="zh-CN" altLang="en-US"/>
           </a:p>
@@ -2279,7 +2280,7 @@
             <a:fld id="{530820CF-B880-4189-942D-D702A7CBA730}" type="datetimeFigureOut">
               <a:rPr lang="zh-CN" altLang="en-US" smtClean="0"/>
               <a:pPr/>
-              <a:t>2022/6/3</a:t>
+              <a:t>2022/6/16</a:t>
             </a:fld>
             <a:endParaRPr lang="zh-CN" altLang="en-US"/>
           </a:p>
@@ -2629,7 +2630,7 @@
             <a:fld id="{530820CF-B880-4189-942D-D702A7CBA730}" type="datetimeFigureOut">
               <a:rPr lang="zh-CN" altLang="en-US" smtClean="0"/>
               <a:pPr/>
-              <a:t>2022/6/3</a:t>
+              <a:t>2022/6/16</a:t>
             </a:fld>
             <a:endParaRPr lang="zh-CN" altLang="en-US"/>
           </a:p>
@@ -3068,7 +3069,7 @@
             <a:fld id="{530820CF-B880-4189-942D-D702A7CBA730}" type="datetimeFigureOut">
               <a:rPr lang="zh-CN" altLang="en-US" smtClean="0"/>
               <a:pPr/>
-              <a:t>2022/6/3</a:t>
+              <a:t>2022/6/16</a:t>
             </a:fld>
             <a:endParaRPr lang="zh-CN" altLang="en-US"/>
           </a:p>
@@ -3642,7 +3643,6 @@
               <a:rPr lang="en-US" dirty="0" smtClean="0"/>
               <a:t> was elected president with 89% of the vote and 95% turnout, </a:t>
             </a:r>
-            <a:endParaRPr lang="en-US" dirty="0" smtClean="0"/>
           </a:p>
           <a:p>
             <a:r>
@@ -3655,29 +3655,13 @@
             </a:r>
             <a:r>
               <a:rPr lang="en-US" dirty="0" smtClean="0"/>
-              <a:t> is criticized for building a personality cult of his </a:t>
-            </a:r>
+              <a:t> is criticized for building a personality cult of his own. </a:t>
+            </a:r>
+          </a:p>
+          <a:p>
             <a:r>
               <a:rPr lang="en-US" dirty="0" smtClean="0"/>
-              <a:t>own. </a:t>
-            </a:r>
-          </a:p>
-          <a:p>
-            <a:r>
-              <a:rPr lang="en-US" dirty="0" smtClean="0"/>
-              <a:t>He is </a:t>
-            </a:r>
-            <a:r>
-              <a:rPr lang="en-US" dirty="0" smtClean="0"/>
-              <a:t>the only person whose first name is used in government press releases; other officials </a:t>
-            </a:r>
-            <a:r>
-              <a:rPr lang="en-US" dirty="0" smtClean="0"/>
-              <a:t>have their </a:t>
-            </a:r>
-            <a:r>
-              <a:rPr lang="en-US" dirty="0" smtClean="0"/>
-              <a:t>first names abbreviated to a single letter. </a:t>
+              <a:t>He is the only person whose first name is used in government press releases; other officials have their first names abbreviated to a single letter. </a:t>
             </a:r>
             <a:endParaRPr lang="en-US" dirty="0"/>
           </a:p>
@@ -3750,33 +3734,13 @@
           <a:p>
             <a:r>
               <a:rPr lang="en-US" dirty="0" smtClean="0"/>
-              <a:t>Parliamentary </a:t>
-            </a:r>
+              <a:t>Parliamentary elections under new constitution were held on December 14, 2008.</a:t>
+            </a:r>
+          </a:p>
+          <a:p>
             <a:r>
               <a:rPr lang="en-US" dirty="0" smtClean="0"/>
-              <a:t>elections under </a:t>
-            </a:r>
-            <a:r>
-              <a:rPr lang="en-US" dirty="0" smtClean="0"/>
-              <a:t>new </a:t>
-            </a:r>
-            <a:r>
-              <a:rPr lang="en-US" dirty="0" smtClean="0"/>
-              <a:t>constitution were held on December 14, 2008</a:t>
-            </a:r>
-            <a:r>
-              <a:rPr lang="en-US" dirty="0" smtClean="0"/>
-              <a:t>.</a:t>
-            </a:r>
-          </a:p>
-          <a:p>
-            <a:r>
-              <a:rPr lang="en-US" dirty="0" smtClean="0"/>
-              <a:t>In </a:t>
-            </a:r>
-            <a:r>
-              <a:rPr lang="en-US" dirty="0" smtClean="0"/>
-              <a:t>February 2017, president </a:t>
+              <a:t>In February 2017, president </a:t>
             </a:r>
             <a:r>
               <a:rPr lang="en-US" dirty="0" err="1" smtClean="0"/>
@@ -3792,13 +3756,8 @@
             </a:r>
             <a:r>
               <a:rPr lang="en-US" dirty="0" smtClean="0"/>
-              <a:t> was re-elected for a third term in office, after receiving 97.69 percent of all votes according to official results, following a tightly controlled and largely ceremonial election. </a:t>
-            </a:r>
-            <a:r>
-              <a:rPr lang="en-US" dirty="0" smtClean="0"/>
-              <a:t>He continued to rule.</a:t>
-            </a:r>
-            <a:endParaRPr lang="en-US" dirty="0" smtClean="0"/>
+              <a:t> was re-elected for a third term in office, after receiving 97.69 percent of all votes according to official results, following a tightly controlled and largely ceremonial election. He continued to rule.</a:t>
+            </a:r>
           </a:p>
         </p:txBody>
       </p:sp>
@@ -4219,6 +4178,93 @@
           <a:p>
             <a:r>
               <a:rPr lang="en-US" dirty="0" smtClean="0"/>
+              <a:t>Copyright</a:t>
+            </a:r>
+            <a:endParaRPr lang="en-US" dirty="0"/>
+          </a:p>
+        </p:txBody>
+      </p:sp>
+      <p:sp>
+        <p:nvSpPr>
+          <p:cNvPr id="3" name="内容占位符 2"/>
+          <p:cNvSpPr>
+            <a:spLocks noGrp="1"/>
+          </p:cNvSpPr>
+          <p:nvPr>
+            <p:ph idx="1"/>
+          </p:nvPr>
+        </p:nvSpPr>
+        <p:spPr/>
+        <p:txBody>
+          <a:bodyPr>
+            <a:normAutofit lnSpcReduction="10000"/>
+          </a:bodyPr>
+          <a:lstStyle/>
+          <a:p>
+            <a:r>
+              <a:rPr lang="en-US" dirty="0" smtClean="0"/>
+              <a:t>You may copy anything on the </a:t>
+            </a:r>
+            <a:r>
+              <a:rPr lang="en-US" dirty="0" smtClean="0"/>
+              <a:t>PPT, but </a:t>
+            </a:r>
+            <a:r>
+              <a:rPr lang="en-US" dirty="0" smtClean="0"/>
+              <a:t>you have to cite the author and give  a link to this website. See [LICENSE](https://qqiumax.github.io/LICENSE) for more information. You HAVE to keep this message when copying or duplicating.</a:t>
+            </a:r>
+          </a:p>
+          <a:p>
+            <a:r>
+              <a:rPr lang="en-US" dirty="0" smtClean="0"/>
+              <a:t>Copyright Max Qiu 2022. All Rights Reserved.</a:t>
+            </a:r>
+            <a:endParaRPr lang="en-US" dirty="0"/>
+          </a:p>
+        </p:txBody>
+      </p:sp>
+    </p:spTree>
+  </p:cSld>
+  <p:clrMapOvr>
+    <a:masterClrMapping/>
+  </p:clrMapOvr>
+</p:sld>
+</file>
+
+<file path=ppt/slides/slide13.xml><?xml version="1.0" encoding="utf-8"?>
+<p:sld xmlns:a="http://schemas.openxmlformats.org/drawingml/2006/main" xmlns:r="http://schemas.openxmlformats.org/officeDocument/2006/relationships" xmlns:p="http://schemas.openxmlformats.org/presentationml/2006/main">
+  <p:cSld>
+    <p:spTree>
+      <p:nvGrpSpPr>
+        <p:cNvPr id="1" name=""/>
+        <p:cNvGrpSpPr/>
+        <p:nvPr/>
+      </p:nvGrpSpPr>
+      <p:grpSpPr>
+        <a:xfrm>
+          <a:off x="0" y="0"/>
+          <a:ext cx="0" cy="0"/>
+          <a:chOff x="0" y="0"/>
+          <a:chExt cx="0" cy="0"/>
+        </a:xfrm>
+      </p:grpSpPr>
+      <p:sp>
+        <p:nvSpPr>
+          <p:cNvPr id="2" name="标题 1"/>
+          <p:cNvSpPr>
+            <a:spLocks noGrp="1"/>
+          </p:cNvSpPr>
+          <p:nvPr>
+            <p:ph type="title"/>
+          </p:nvPr>
+        </p:nvSpPr>
+        <p:spPr/>
+        <p:txBody>
+          <a:bodyPr/>
+          <a:lstStyle/>
+          <a:p>
+            <a:r>
+              <a:rPr lang="en-US" dirty="0" smtClean="0"/>
               <a:t>Thank You</a:t>
             </a:r>
             <a:endParaRPr lang="en-US" dirty="0"/>
@@ -4309,6 +4355,32 @@
           </a:prstGeom>
         </p:spPr>
       </p:pic>
+      <p:sp>
+        <p:nvSpPr>
+          <p:cNvPr id="6" name="TextBox 5"/>
+          <p:cNvSpPr txBox="1"/>
+          <p:nvPr/>
+        </p:nvSpPr>
+        <p:spPr>
+          <a:xfrm>
+            <a:off x="179512" y="6525344"/>
+            <a:ext cx="1584176" cy="369332"/>
+          </a:xfrm>
+          <a:prstGeom prst="rect">
+            <a:avLst/>
+          </a:prstGeom>
+          <a:noFill/>
+        </p:spPr>
+        <p:txBody>
+          <a:bodyPr wrap="square" rtlCol="0">
+            <a:spAutoFit/>
+          </a:bodyPr>
+          <a:lstStyle/>
+          <a:p>
+            <a:endParaRPr lang="en-US" dirty="0"/>
+          </a:p>
+        </p:txBody>
+      </p:sp>
     </p:spTree>
   </p:cSld>
   <p:clrMapOvr>
@@ -4527,51 +4599,25 @@
           <a:p>
             <a:r>
               <a:rPr lang="en-US" dirty="0" smtClean="0"/>
-              <a:t>Natural Gas - </a:t>
-            </a:r>
+              <a:t>Natural Gas - sixth in terms of countries with the most proven natural gas reserves</a:t>
+            </a:r>
+          </a:p>
+          <a:p>
             <a:r>
               <a:rPr lang="en-US" dirty="0" smtClean="0"/>
-              <a:t>sixth in terms of countries with the most proven natural gas reserves</a:t>
-            </a:r>
-            <a:endParaRPr lang="en-US" dirty="0" smtClean="0"/>
+              <a:t>Oil - 202,000 barrels of oil each and every day. </a:t>
+            </a:r>
           </a:p>
           <a:p>
             <a:r>
               <a:rPr lang="en-US" dirty="0" smtClean="0"/>
-              <a:t>Oil - </a:t>
-            </a:r>
+              <a:t>Cotton -  The nation ranks as the ninth biggest cotton producer</a:t>
+            </a:r>
+          </a:p>
+          <a:p>
             <a:r>
               <a:rPr lang="en-US" dirty="0" smtClean="0"/>
-              <a:t>202,000 barrels of oil each and every day. </a:t>
-            </a:r>
-            <a:endParaRPr lang="en-US" dirty="0" smtClean="0"/>
-          </a:p>
-          <a:p>
-            <a:r>
-              <a:rPr lang="en-US" dirty="0" smtClean="0"/>
-              <a:t>Cotton - </a:t>
-            </a:r>
-            <a:r>
-              <a:rPr lang="en-US" dirty="0" smtClean="0"/>
-              <a:t> The nation ranks as the ninth biggest cotton </a:t>
-            </a:r>
-            <a:r>
-              <a:rPr lang="en-US" dirty="0" smtClean="0"/>
-              <a:t>producer</a:t>
-            </a:r>
-          </a:p>
-          <a:p>
-            <a:r>
-              <a:rPr lang="en-US" dirty="0" smtClean="0"/>
-              <a:t>Wheat - </a:t>
-            </a:r>
-            <a:r>
-              <a:rPr lang="en-US" dirty="0" smtClean="0"/>
-              <a:t> In 2017 the domestic supply of wheat in Turkmenistan was estimated to be </a:t>
-            </a:r>
-            <a:r>
-              <a:rPr lang="en-US" dirty="0" smtClean="0"/>
-              <a:t>2,029 </a:t>
+              <a:t>Wheat -  In 2017 the domestic supply of wheat in Turkmenistan was estimated to be 2,029 </a:t>
             </a:r>
             <a:r>
               <a:rPr lang="en-US" dirty="0" err="1" smtClean="0"/>
@@ -4723,11 +4769,7 @@
           <a:p>
             <a:r>
               <a:rPr lang="en-US" dirty="0" smtClean="0"/>
-              <a:t>Central Asia came under Arab control after a series of invasions in the late 7th and early 8th </a:t>
-            </a:r>
-            <a:r>
-              <a:rPr lang="en-US" dirty="0" smtClean="0"/>
-              <a:t>centuries</a:t>
+              <a:t>Central Asia came under Arab control after a series of invasions in the late 7th and early 8th centuries</a:t>
             </a:r>
           </a:p>
           <a:p>
@@ -4743,16 +4785,11 @@
               <a:rPr lang="en-US" dirty="0" smtClean="0"/>
               <a:t> confederation of nomadic pastoral tribes of the early Middle Ages, who lived in present-day Mongolia and around Lake Baikal in present-day southern Siberia.</a:t>
             </a:r>
-            <a:endParaRPr lang="en-US" dirty="0" smtClean="0"/>
           </a:p>
           <a:p>
             <a:r>
               <a:rPr lang="en-US" dirty="0" smtClean="0"/>
-              <a:t>In the 11th century, Seljuk domains stretched from the delta of the Amu Darya delta into Iran, Iraq, the Caucasus region, Syria, and Asia Minor</a:t>
-            </a:r>
-            <a:r>
-              <a:rPr lang="en-US" dirty="0" smtClean="0"/>
-              <a:t>.</a:t>
+              <a:t>In the 11th century, Seljuk domains stretched from the delta of the Amu Darya delta into Iran, Iraq, the Caucasus region, Syria, and Asia Minor.</a:t>
             </a:r>
           </a:p>
         </p:txBody>
@@ -4836,11 +4873,7 @@
             </a:r>
             <a:r>
               <a:rPr lang="en-US" dirty="0" smtClean="0"/>
-              <a:t>, Bukhara, and Afghanistan</a:t>
-            </a:r>
-            <a:r>
-              <a:rPr lang="en-US" dirty="0" smtClean="0"/>
-              <a:t>.</a:t>
+              <a:t>, Bukhara, and Afghanistan.</a:t>
             </a:r>
             <a:endParaRPr lang="en-US" dirty="0"/>
           </a:p>
@@ -4933,11 +4966,7 @@
           <a:p>
             <a:r>
               <a:rPr lang="en-US" dirty="0" smtClean="0"/>
-              <a:t>Turkmenistan became independent on October 27, 1991, amidst the dissolution of the Soviet </a:t>
-            </a:r>
-            <a:r>
-              <a:rPr lang="en-US" dirty="0" smtClean="0"/>
-              <a:t>Union.</a:t>
+              <a:t>Turkmenistan became independent on October 27, 1991, amidst the dissolution of the Soviet Union.</a:t>
             </a:r>
             <a:endParaRPr lang="en-US" dirty="0"/>
           </a:p>
